--- a/ABMProject.pptx
+++ b/ABMProject.pptx
@@ -123,7 +123,7 @@
   </p:defaultTextStyle>
   <p:extLst>
     <p:ext uri="{EFAFB233-063F-42B5-8137-9DF3F51BA10A}">
-      <p15:sldGuideLst xmlns:p15="http://schemas.microsoft.com/office/powerpoint/2012/main" xmlns="">
+      <p15:sldGuideLst xmlns="" xmlns:p15="http://schemas.microsoft.com/office/powerpoint/2012/main">
         <p15:guide id="1" orient="horz" pos="391" userDrawn="1">
           <p15:clr>
             <a:srgbClr val="A4A3A4"/>
@@ -262,7 +262,7 @@
           <a:p>
             <a:fld id="{27F065D9-8514-4420-B717-EA7316A2C537}" type="datetimeFigureOut">
               <a:rPr lang="de-CH" smtClean="0"/>
-              <a:t>4/3/16</a:t>
+              <a:t>9/3/16</a:t>
             </a:fld>
             <a:endParaRPr lang="de-CH"/>
           </a:p>
@@ -342,6 +342,7 @@
     </p:extLst>
   </p:cSld>
   <p:clrMap bg1="lt1" tx1="dk1" bg2="lt2" tx2="dk2" accent1="accent1" accent2="accent2" accent3="accent3" accent4="accent4" accent5="accent5" accent6="accent6" hlink="hlink" folHlink="folHlink"/>
+  <p:hf hdr="0" ftr="0" dt="0"/>
 </p:handoutMaster>
 </file>
 
@@ -427,7 +428,7 @@
           <a:p>
             <a:fld id="{BCDB334D-D17F-49C4-91DD-37BB7E818209}" type="datetimeFigureOut">
               <a:rPr lang="de-CH" smtClean="0"/>
-              <a:t>4/3/16</a:t>
+              <a:t>9/3/16</a:t>
             </a:fld>
             <a:endParaRPr lang="de-CH"/>
           </a:p>
@@ -600,6 +601,7 @@
     </p:extLst>
   </p:cSld>
   <p:clrMap bg1="lt1" tx1="dk1" bg2="lt2" tx2="dk2" accent1="accent1" accent2="accent2" accent3="accent3" accent4="accent4" accent5="accent5" accent6="accent6" hlink="hlink" folHlink="folHlink"/>
+  <p:hf hdr="0" ftr="0" dt="0"/>
   <p:notesStyle>
     <a:lvl1pPr marL="0" algn="l" defTabSz="914400" rtl="0" eaLnBrk="1" latinLnBrk="0" hangingPunct="1">
       <a:defRPr sz="1200" kern="1200">
@@ -1795,7 +1797,7 @@
               <a:buNone/>
             </a:pPr>
             <a:r>
-              <a:rPr lang="en-US" smtClean="0"/>
+              <a:rPr lang="pl-PL" smtClean="0"/>
               <a:t>Click to edit Master subtitle style</a:t>
             </a:r>
             <a:endParaRPr lang="de-DE" dirty="0"/>
@@ -1826,11 +1828,10 @@
             </a:lvl1pPr>
           </a:lstStyle>
           <a:p>
-            <a:fld id="{92BF4FBE-0522-49A2-A01E-13F521B4C0B7}" type="datetime1">
-              <a:rPr lang="de-DE" smtClean="0"/>
-              <a:pPr/>
-              <a:t>4/3/16</a:t>
-            </a:fld>
+            <a:r>
+              <a:rPr lang="pl-PL" smtClean="0"/>
+              <a:t>10/03/2016</a:t>
+            </a:r>
             <a:endParaRPr lang="de-DE"/>
           </a:p>
         </p:txBody>
@@ -1861,8 +1862,8 @@
           <a:p>
             <a:pPr algn="ctr"/>
             <a:r>
-              <a:rPr lang="de-DE" dirty="0" smtClean="0"/>
-              <a:t>Module 2.1</a:t>
+              <a:rPr lang="de-DE" smtClean="0"/>
+              <a:t>ABM Coursework</a:t>
             </a:r>
             <a:endParaRPr lang="de-DE" dirty="0"/>
           </a:p>
@@ -1949,7 +1950,7 @@
           </a:lstStyle>
           <a:p>
             <a:r>
-              <a:rPr lang="en-US" smtClean="0"/>
+              <a:rPr lang="pl-PL" smtClean="0"/>
               <a:t>Click to edit Master title style</a:t>
             </a:r>
             <a:endParaRPr lang="de-DE" dirty="0"/>
@@ -2040,7 +2041,7 @@
           </a:lstStyle>
           <a:p>
             <a:r>
-              <a:rPr lang="en-US" smtClean="0"/>
+              <a:rPr lang="pl-PL" smtClean="0"/>
               <a:t>Click to edit Master title style</a:t>
             </a:r>
             <a:endParaRPr lang="de-DE" dirty="0"/>
@@ -2171,7 +2172,7 @@
           </a:lstStyle>
           <a:p>
             <a:r>
-              <a:rPr lang="en-US" smtClean="0"/>
+              <a:rPr lang="pl-PL" smtClean="0"/>
               <a:t>Click to edit Master subtitle style</a:t>
             </a:r>
             <a:endParaRPr lang="de-DE" dirty="0"/>
@@ -2203,8 +2204,8 @@
           </a:lstStyle>
           <a:p>
             <a:r>
-              <a:rPr lang="de-DE" dirty="0" smtClean="0"/>
-              <a:t>25/02/2016</a:t>
+              <a:rPr lang="pl-PL" smtClean="0"/>
+              <a:t>10/03/2016</a:t>
             </a:r>
             <a:endParaRPr lang="de-DE" dirty="0"/>
           </a:p>
@@ -2236,8 +2237,8 @@
           <a:p>
             <a:pPr algn="ctr"/>
             <a:r>
-              <a:rPr lang="de-DE" dirty="0" smtClean="0"/>
-              <a:t>Module 2.1</a:t>
+              <a:rPr lang="de-DE" smtClean="0"/>
+              <a:t>ABM Coursework</a:t>
             </a:r>
             <a:endParaRPr lang="de-DE" dirty="0"/>
           </a:p>
@@ -2303,8 +2304,8 @@
           </a:lstStyle>
           <a:p>
             <a:r>
-              <a:rPr lang="en-US" smtClean="0"/>
-              <a:t>Click icon to add picture</a:t>
+              <a:rPr lang="pl-PL" smtClean="0"/>
+              <a:t>Drag picture to placeholder or click icon to add</a:t>
             </a:r>
             <a:endParaRPr lang="de-CH" dirty="0"/>
           </a:p>
@@ -2393,7 +2394,7 @@
           <a:p>
             <a:pPr lvl="0"/>
             <a:r>
-              <a:rPr lang="en-US" smtClean="0"/>
+              <a:rPr lang="pl-PL" smtClean="0"/>
               <a:t>Click to edit Master title style</a:t>
             </a:r>
             <a:endParaRPr lang="de-CH"/>
@@ -2490,35 +2491,35 @@
           <a:p>
             <a:pPr lvl="0"/>
             <a:r>
-              <a:rPr lang="en-US" smtClean="0"/>
+              <a:rPr lang="pl-PL" smtClean="0"/>
               <a:t>Click to edit Master text styles</a:t>
             </a:r>
           </a:p>
           <a:p>
             <a:pPr lvl="1"/>
             <a:r>
-              <a:rPr lang="en-US" smtClean="0"/>
+              <a:rPr lang="pl-PL" smtClean="0"/>
               <a:t>Second level</a:t>
             </a:r>
           </a:p>
           <a:p>
             <a:pPr lvl="2"/>
             <a:r>
-              <a:rPr lang="en-US" smtClean="0"/>
+              <a:rPr lang="pl-PL" smtClean="0"/>
               <a:t>Third level</a:t>
             </a:r>
           </a:p>
           <a:p>
             <a:pPr lvl="3"/>
             <a:r>
-              <a:rPr lang="en-US" smtClean="0"/>
+              <a:rPr lang="pl-PL" smtClean="0"/>
               <a:t>Fourth level</a:t>
             </a:r>
           </a:p>
           <a:p>
             <a:pPr lvl="4"/>
             <a:r>
-              <a:rPr lang="en-US" smtClean="0"/>
+              <a:rPr lang="pl-PL" smtClean="0"/>
               <a:t>Fifth level</a:t>
             </a:r>
             <a:endParaRPr lang="de-DE" dirty="0"/>
@@ -2550,8 +2551,8 @@
           </a:lstStyle>
           <a:p>
             <a:r>
-              <a:rPr lang="de-DE" dirty="0" smtClean="0"/>
-              <a:t>25/02/2016</a:t>
+              <a:rPr lang="pl-PL" smtClean="0"/>
+              <a:t>10/03/2016</a:t>
             </a:r>
             <a:endParaRPr lang="de-DE" dirty="0"/>
           </a:p>
@@ -2583,8 +2584,8 @@
           <a:p>
             <a:pPr algn="ctr"/>
             <a:r>
-              <a:rPr lang="de-DE" dirty="0" smtClean="0"/>
-              <a:t>Module 2.1</a:t>
+              <a:rPr lang="de-DE" smtClean="0"/>
+              <a:t>ABM Coursework</a:t>
             </a:r>
             <a:endParaRPr lang="de-DE" dirty="0"/>
           </a:p>
@@ -2879,8 +2880,8 @@
           <a:lstStyle/>
           <a:p>
             <a:r>
-              <a:rPr lang="de-DE" dirty="0" smtClean="0"/>
-              <a:t>25/02/2016</a:t>
+              <a:rPr lang="pl-PL" smtClean="0"/>
+              <a:t>10/03/2016</a:t>
             </a:r>
             <a:endParaRPr lang="de-DE" dirty="0"/>
           </a:p>
@@ -2907,8 +2908,8 @@
           <a:p>
             <a:pPr algn="ctr"/>
             <a:r>
-              <a:rPr lang="de-DE" dirty="0" smtClean="0"/>
-              <a:t>Module 2.1</a:t>
+              <a:rPr lang="de-DE" smtClean="0"/>
+              <a:t>ABM Coursework</a:t>
             </a:r>
             <a:endParaRPr lang="de-DE" dirty="0"/>
           </a:p>
@@ -2980,7 +2981,7 @@
           <a:p>
             <a:pPr lvl="0"/>
             <a:r>
-              <a:rPr lang="en-US" smtClean="0"/>
+              <a:rPr lang="pl-PL" smtClean="0"/>
               <a:t>Click to edit Master title style</a:t>
             </a:r>
             <a:endParaRPr lang="de-CH"/>
@@ -3040,8 +3041,8 @@
           </a:lstStyle>
           <a:p>
             <a:r>
-              <a:rPr lang="de-DE" dirty="0" smtClean="0"/>
-              <a:t>25/02/2016</a:t>
+              <a:rPr lang="pl-PL" smtClean="0"/>
+              <a:t>10/03/2016</a:t>
             </a:r>
             <a:endParaRPr lang="de-DE" dirty="0"/>
           </a:p>
@@ -3073,8 +3074,8 @@
           <a:p>
             <a:pPr algn="ctr"/>
             <a:r>
-              <a:rPr lang="de-DE" dirty="0" smtClean="0"/>
-              <a:t>Module 2.1</a:t>
+              <a:rPr lang="de-DE" smtClean="0"/>
+              <a:t>ABM Coursework</a:t>
             </a:r>
             <a:endParaRPr lang="de-DE" dirty="0"/>
           </a:p>
@@ -3150,7 +3151,7 @@
           </a:lstStyle>
           <a:p>
             <a:r>
-              <a:rPr lang="en-US" smtClean="0"/>
+              <a:rPr lang="pl-PL" smtClean="0"/>
               <a:t>Click to edit Master title style</a:t>
             </a:r>
             <a:endParaRPr lang="de-CH"/>
@@ -3217,8 +3218,8 @@
           </a:lstStyle>
           <a:p>
             <a:r>
-              <a:rPr lang="de-DE" dirty="0" smtClean="0"/>
-              <a:t>25/02/2016</a:t>
+              <a:rPr lang="pl-PL" smtClean="0"/>
+              <a:t>10/03/2016</a:t>
             </a:r>
             <a:endParaRPr lang="de-DE" dirty="0"/>
           </a:p>
@@ -3250,8 +3251,8 @@
           <a:p>
             <a:pPr algn="ctr"/>
             <a:r>
-              <a:rPr lang="de-DE" dirty="0" smtClean="0"/>
-              <a:t>Module 2.1</a:t>
+              <a:rPr lang="de-DE" smtClean="0"/>
+              <a:t>ABM Coursework</a:t>
             </a:r>
             <a:endParaRPr lang="de-DE" dirty="0"/>
           </a:p>
@@ -3322,8 +3323,8 @@
           </a:lstStyle>
           <a:p>
             <a:r>
-              <a:rPr lang="en-US" smtClean="0"/>
-              <a:t>Click icon to add picture</a:t>
+              <a:rPr lang="pl-PL" smtClean="0"/>
+              <a:t>Drag picture to placeholder or click icon to add</a:t>
             </a:r>
             <a:endParaRPr lang="de-CH" dirty="0"/>
           </a:p>
@@ -3617,8 +3618,8 @@
           </a:lstStyle>
           <a:p>
             <a:r>
-              <a:rPr lang="de-DE" dirty="0" smtClean="0"/>
-              <a:t>25/02/2016</a:t>
+              <a:rPr lang="pl-PL" smtClean="0"/>
+              <a:t>10/03/2016</a:t>
             </a:r>
             <a:endParaRPr lang="de-DE" dirty="0"/>
           </a:p>
@@ -3658,8 +3659,8 @@
           <a:p>
             <a:pPr algn="ctr"/>
             <a:r>
-              <a:rPr lang="de-DE" dirty="0" smtClean="0"/>
-              <a:t>Dr. Peter Burgherr</a:t>
+              <a:rPr lang="de-DE" smtClean="0"/>
+              <a:t>ABM Coursework</a:t>
             </a:r>
             <a:endParaRPr lang="de-DE" dirty="0"/>
           </a:p>
@@ -3846,7 +3847,7 @@
           <p:cNvPicPr>
             <a:picLocks noChangeAspect="1" noChangeArrowheads="1"/>
           </p:cNvPicPr>
-          <p:nvPr userDrawn="1"/>
+          <p:nvPr/>
         </p:nvPicPr>
         <p:blipFill>
           <a:blip r:embed="rId9">
@@ -3900,7 +3901,7 @@
           <p:cNvPicPr>
             <a:picLocks noChangeAspect="1" noChangeArrowheads="1"/>
           </p:cNvPicPr>
-          <p:nvPr userDrawn="1"/>
+          <p:nvPr/>
         </p:nvPicPr>
         <p:blipFill>
           <a:blip r:embed="rId10">
@@ -3954,7 +3955,7 @@
           <p:cNvPicPr>
             <a:picLocks noChangeAspect="1" noChangeArrowheads="1"/>
           </p:cNvPicPr>
-          <p:nvPr userDrawn="1"/>
+          <p:nvPr/>
         </p:nvPicPr>
         <p:blipFill>
           <a:blip r:embed="rId11" cstate="print">
@@ -4008,7 +4009,7 @@
           <p:cNvPicPr>
             <a:picLocks noChangeAspect="1" noChangeArrowheads="1"/>
           </p:cNvPicPr>
-          <p:nvPr userDrawn="1"/>
+          <p:nvPr/>
         </p:nvPicPr>
         <p:blipFill>
           <a:blip r:embed="rId12">
@@ -4062,7 +4063,7 @@
           <p:cNvPicPr>
             <a:picLocks noChangeAspect="1" noChangeArrowheads="1"/>
           </p:cNvPicPr>
-          <p:nvPr userDrawn="1"/>
+          <p:nvPr/>
         </p:nvPicPr>
         <p:blipFill>
           <a:blip r:embed="rId13">
@@ -4126,7 +4127,7 @@
           <p:cNvGraphicFramePr>
             <a:graphicFrameLocks noChangeAspect="1"/>
           </p:cNvGraphicFramePr>
-          <p:nvPr userDrawn="1">
+          <p:nvPr>
             <p:extLst>
               <p:ext uri="{D42A27DB-BD31-4B8C-83A1-F6EECF244321}">
                 <p14:modId xmlns:p14="http://schemas.microsoft.com/office/powerpoint/2010/main" val="3141024396"/>
@@ -4142,7 +4143,7 @@
           <a:graphicData uri="http://schemas.openxmlformats.org/presentationml/2006/ole">
             <mc:AlternateContent xmlns:mc="http://schemas.openxmlformats.org/markup-compatibility/2006">
               <mc:Choice xmlns:v="urn:schemas-microsoft-com:vml" Requires="v">
-                <p:oleObj spid="_x0000_s1382" name="Corel DESIGNER" r:id="rId14" imgW="6882717" imgH="1850040" progId="CorelDESIGNER.Graphic.16">
+                <p:oleObj spid="_x0000_s1398" name="Corel DESIGNER" r:id="rId14" imgW="6882717" imgH="1850040" progId="CorelDESIGNER.Graphic.16">
                   <p:embed/>
                 </p:oleObj>
               </mc:Choice>
@@ -4183,7 +4184,7 @@
           <p:cNvPicPr>
             <a:picLocks noChangeAspect="1"/>
           </p:cNvPicPr>
-          <p:nvPr userDrawn="1"/>
+          <p:nvPr/>
         </p:nvPicPr>
         <p:blipFill>
           <a:blip r:embed="rId16"/>
@@ -4618,32 +4619,36 @@
           <a:lstStyle/>
           <a:p>
             <a:r>
+              <a:rPr lang="pl-PL" smtClean="0"/>
+              <a:t>10/03/2016</a:t>
+            </a:r>
+            <a:endParaRPr lang="de-DE" dirty="0"/>
+          </a:p>
+        </p:txBody>
+      </p:sp>
+      <p:sp>
+        <p:nvSpPr>
+          <p:cNvPr id="4" name="Fußzeilenplatzhalter 3"/>
+          <p:cNvSpPr>
+            <a:spLocks noGrp="1"/>
+          </p:cNvSpPr>
+          <p:nvPr>
+            <p:ph type="ftr" sz="quarter" idx="11"/>
+          </p:nvPr>
+        </p:nvSpPr>
+        <p:spPr/>
+        <p:txBody>
+          <a:bodyPr/>
+          <a:lstStyle/>
+          <a:p>
+            <a:pPr algn="ctr"/>
+            <a:r>
               <a:rPr lang="de-DE" dirty="0" smtClean="0"/>
-              <a:t>25/02/2016</a:t>
-            </a:r>
-            <a:endParaRPr lang="de-DE" dirty="0"/>
-          </a:p>
-        </p:txBody>
-      </p:sp>
-      <p:sp>
-        <p:nvSpPr>
-          <p:cNvPr id="4" name="Fußzeilenplatzhalter 3"/>
-          <p:cNvSpPr>
-            <a:spLocks noGrp="1"/>
-          </p:cNvSpPr>
-          <p:nvPr>
-            <p:ph type="ftr" sz="quarter" idx="11"/>
-          </p:nvPr>
-        </p:nvSpPr>
-        <p:spPr/>
-        <p:txBody>
-          <a:bodyPr/>
-          <a:lstStyle/>
-          <a:p>
-            <a:pPr algn="ctr"/>
-            <a:r>
-              <a:rPr lang="de-DE" dirty="0" smtClean="0"/>
-              <a:t>Module 2.1</a:t>
+              <a:t>ABM </a:t>
+            </a:r>
+            <a:r>
+              <a:rPr lang="de-DE" dirty="0" err="1" smtClean="0"/>
+              <a:t>Coursework</a:t>
             </a:r>
             <a:endParaRPr lang="de-DE" dirty="0"/>
           </a:p>
@@ -4780,8 +4785,8 @@
           <a:lstStyle/>
           <a:p>
             <a:r>
-              <a:rPr lang="de-DE" smtClean="0"/>
-              <a:t>25/02/2016</a:t>
+              <a:rPr lang="pl-PL" smtClean="0"/>
+              <a:t>10/03/2016</a:t>
             </a:r>
             <a:endParaRPr lang="de-DE" dirty="0"/>
           </a:p>
@@ -4805,7 +4810,11 @@
             <a:pPr algn="ctr"/>
             <a:r>
               <a:rPr lang="de-DE" dirty="0" smtClean="0"/>
-              <a:t>Module 2.1</a:t>
+              <a:t>ABM </a:t>
+            </a:r>
+            <a:r>
+              <a:rPr lang="de-DE" dirty="0" err="1" smtClean="0"/>
+              <a:t>Coursework</a:t>
             </a:r>
             <a:endParaRPr lang="de-DE" dirty="0"/>
           </a:p>
@@ -4996,8 +5005,8 @@
           <a:lstStyle/>
           <a:p>
             <a:r>
-              <a:rPr lang="de-DE" smtClean="0"/>
-              <a:t>25/02/2016</a:t>
+              <a:rPr lang="pl-PL" smtClean="0"/>
+              <a:t>10/03/2016</a:t>
             </a:r>
             <a:endParaRPr lang="de-DE" dirty="0"/>
           </a:p>
@@ -5021,7 +5030,11 @@
             <a:pPr algn="ctr"/>
             <a:r>
               <a:rPr lang="de-DE" dirty="0" smtClean="0"/>
-              <a:t>Module 2.1</a:t>
+              <a:t>ABM </a:t>
+            </a:r>
+            <a:r>
+              <a:rPr lang="de-DE" dirty="0" err="1" smtClean="0"/>
+              <a:t>Coursework</a:t>
             </a:r>
             <a:endParaRPr lang="de-DE" dirty="0"/>
           </a:p>
@@ -5159,8 +5172,8 @@
           <a:lstStyle/>
           <a:p>
             <a:r>
-              <a:rPr lang="de-DE" smtClean="0"/>
-              <a:t>25/02/2016</a:t>
+              <a:rPr lang="pl-PL" smtClean="0"/>
+              <a:t>10/03/2016</a:t>
             </a:r>
             <a:endParaRPr lang="de-DE" dirty="0"/>
           </a:p>
@@ -5184,7 +5197,11 @@
             <a:pPr algn="ctr"/>
             <a:r>
               <a:rPr lang="de-DE" dirty="0" smtClean="0"/>
-              <a:t>Module 2.1</a:t>
+              <a:t>ABM </a:t>
+            </a:r>
+            <a:r>
+              <a:rPr lang="de-DE" dirty="0" err="1" smtClean="0"/>
+              <a:t>Coursework</a:t>
             </a:r>
             <a:endParaRPr lang="de-DE" dirty="0"/>
           </a:p>
@@ -5472,32 +5489,32 @@
           <a:lstStyle/>
           <a:p>
             <a:r>
+              <a:rPr lang="pl-PL" smtClean="0"/>
+              <a:t>10/03/2016</a:t>
+            </a:r>
+            <a:endParaRPr lang="en-US" dirty="0"/>
+          </a:p>
+        </p:txBody>
+      </p:sp>
+      <p:sp>
+        <p:nvSpPr>
+          <p:cNvPr id="5" name="Footer Placeholder 4"/>
+          <p:cNvSpPr>
+            <a:spLocks noGrp="1"/>
+          </p:cNvSpPr>
+          <p:nvPr>
+            <p:ph type="ftr" sz="quarter" idx="11"/>
+          </p:nvPr>
+        </p:nvSpPr>
+        <p:spPr/>
+        <p:txBody>
+          <a:bodyPr/>
+          <a:lstStyle/>
+          <a:p>
+            <a:pPr algn="ctr"/>
+            <a:r>
               <a:rPr lang="en-US" dirty="0" smtClean="0"/>
-              <a:t>25/02/2016</a:t>
-            </a:r>
-            <a:endParaRPr lang="en-US" dirty="0"/>
-          </a:p>
-        </p:txBody>
-      </p:sp>
-      <p:sp>
-        <p:nvSpPr>
-          <p:cNvPr id="5" name="Footer Placeholder 4"/>
-          <p:cNvSpPr>
-            <a:spLocks noGrp="1"/>
-          </p:cNvSpPr>
-          <p:nvPr>
-            <p:ph type="ftr" sz="quarter" idx="11"/>
-          </p:nvPr>
-        </p:nvSpPr>
-        <p:spPr/>
-        <p:txBody>
-          <a:bodyPr/>
-          <a:lstStyle/>
-          <a:p>
-            <a:pPr algn="ctr"/>
-            <a:r>
-              <a:rPr lang="en-US" dirty="0" smtClean="0"/>
-              <a:t>Module 2.1</a:t>
+              <a:t>ABM Coursework</a:t>
             </a:r>
             <a:endParaRPr lang="en-US" dirty="0"/>
           </a:p>
@@ -5623,7 +5640,7 @@
             </a:r>
             <a:r>
               <a:rPr lang="en-SG" sz="2000" dirty="0" smtClean="0"/>
-              <a:t>Mer75’000 </a:t>
+              <a:t>75’000 </a:t>
             </a:r>
             <a:r>
               <a:rPr lang="en-SG" sz="2000" dirty="0"/>
@@ -5633,7 +5650,15 @@
           <a:p>
             <a:r>
               <a:rPr lang="en-SG" sz="2000" dirty="0"/>
-              <a:t>1 out of 25 hospital patients in the US end up with hospital-acquired infections</a:t>
+              <a:t>1 out of 25 hospital patients in the US </a:t>
+            </a:r>
+            <a:r>
+              <a:rPr lang="en-SG" sz="2000" dirty="0" smtClean="0"/>
+              <a:t>ends </a:t>
+            </a:r>
+            <a:r>
+              <a:rPr lang="en-SG" sz="2000" dirty="0"/>
+              <a:t>up with hospital-acquired infections</a:t>
             </a:r>
           </a:p>
           <a:p>
@@ -5706,6 +5731,77 @@
           </a:prstGeom>
         </p:spPr>
       </p:pic>
+      <p:sp>
+        <p:nvSpPr>
+          <p:cNvPr id="4" name="Date Placeholder 3"/>
+          <p:cNvSpPr>
+            <a:spLocks noGrp="1"/>
+          </p:cNvSpPr>
+          <p:nvPr>
+            <p:ph type="dt" sz="half" idx="10"/>
+          </p:nvPr>
+        </p:nvSpPr>
+        <p:spPr/>
+        <p:txBody>
+          <a:bodyPr/>
+          <a:lstStyle/>
+          <a:p>
+            <a:r>
+              <a:rPr lang="pl-PL" smtClean="0"/>
+              <a:t>10/03/2016</a:t>
+            </a:r>
+            <a:endParaRPr lang="de-DE" dirty="0"/>
+          </a:p>
+        </p:txBody>
+      </p:sp>
+      <p:sp>
+        <p:nvSpPr>
+          <p:cNvPr id="5" name="Footer Placeholder 4"/>
+          <p:cNvSpPr>
+            <a:spLocks noGrp="1"/>
+          </p:cNvSpPr>
+          <p:nvPr>
+            <p:ph type="ftr" sz="quarter" idx="11"/>
+          </p:nvPr>
+        </p:nvSpPr>
+        <p:spPr/>
+        <p:txBody>
+          <a:bodyPr/>
+          <a:lstStyle/>
+          <a:p>
+            <a:pPr algn="ctr"/>
+            <a:r>
+              <a:rPr lang="de-DE" smtClean="0"/>
+              <a:t>ABM Coursework</a:t>
+            </a:r>
+            <a:endParaRPr lang="de-DE" dirty="0"/>
+          </a:p>
+        </p:txBody>
+      </p:sp>
+      <p:sp>
+        <p:nvSpPr>
+          <p:cNvPr id="6" name="Slide Number Placeholder 5"/>
+          <p:cNvSpPr>
+            <a:spLocks noGrp="1"/>
+          </p:cNvSpPr>
+          <p:nvPr>
+            <p:ph type="sldNum" sz="quarter" idx="12"/>
+          </p:nvPr>
+        </p:nvSpPr>
+        <p:spPr/>
+        <p:txBody>
+          <a:bodyPr/>
+          <a:lstStyle/>
+          <a:p>
+            <a:fld id="{6C6AE60A-B69C-4790-82F7-3882EDF23186}" type="slidenum">
+              <a:rPr lang="de-DE" smtClean="0"/>
+              <a:pPr/>
+              <a:t>3</a:t>
+            </a:fld>
+            <a:endParaRPr lang="de-DE"/>
+          </a:p>
+        </p:txBody>
+      </p:sp>
     </p:spTree>
     <p:extLst>
       <p:ext uri="{BB962C8B-B14F-4D97-AF65-F5344CB8AC3E}">
@@ -5790,8 +5886,8 @@
           <a:lstStyle/>
           <a:p>
             <a:r>
-              <a:rPr lang="de-DE" smtClean="0"/>
-              <a:t>25/02/2016</a:t>
+              <a:rPr lang="pl-PL" smtClean="0"/>
+              <a:t>10/03/2016</a:t>
             </a:r>
             <a:endParaRPr lang="de-DE" dirty="0"/>
           </a:p>
@@ -5815,7 +5911,11 @@
             <a:pPr algn="ctr"/>
             <a:r>
               <a:rPr lang="de-DE" dirty="0" smtClean="0"/>
-              <a:t>Module 2.1</a:t>
+              <a:t>ABM </a:t>
+            </a:r>
+            <a:r>
+              <a:rPr lang="de-DE" dirty="0" err="1" smtClean="0"/>
+              <a:t>Coursework</a:t>
             </a:r>
             <a:endParaRPr lang="de-DE" dirty="0"/>
           </a:p>
@@ -5966,8 +6066,8 @@
           <a:lstStyle/>
           <a:p>
             <a:r>
-              <a:rPr lang="de-DE" smtClean="0"/>
-              <a:t>25/02/2016</a:t>
+              <a:rPr lang="pl-PL" smtClean="0"/>
+              <a:t>10/03/2016</a:t>
             </a:r>
             <a:endParaRPr lang="de-DE" dirty="0"/>
           </a:p>
@@ -5991,7 +6091,11 @@
             <a:pPr algn="ctr"/>
             <a:r>
               <a:rPr lang="de-DE" dirty="0" smtClean="0"/>
-              <a:t>Module 2.1</a:t>
+              <a:t>ABM </a:t>
+            </a:r>
+            <a:r>
+              <a:rPr lang="de-DE" dirty="0" err="1" smtClean="0"/>
+              <a:t>Coursework</a:t>
             </a:r>
             <a:endParaRPr lang="de-DE" dirty="0"/>
           </a:p>
@@ -6146,8 +6250,8 @@
           <a:lstStyle/>
           <a:p>
             <a:r>
-              <a:rPr lang="de-DE" smtClean="0"/>
-              <a:t>25/02/2016</a:t>
+              <a:rPr lang="pl-PL" smtClean="0"/>
+              <a:t>10/03/2016</a:t>
             </a:r>
             <a:endParaRPr lang="de-DE" dirty="0"/>
           </a:p>
@@ -6171,7 +6275,11 @@
             <a:pPr algn="ctr"/>
             <a:r>
               <a:rPr lang="de-DE" dirty="0" smtClean="0"/>
-              <a:t>Module 2.1</a:t>
+              <a:t>ABM </a:t>
+            </a:r>
+            <a:r>
+              <a:rPr lang="de-DE" dirty="0" err="1" smtClean="0"/>
+              <a:t>Coursework</a:t>
             </a:r>
             <a:endParaRPr lang="de-DE" dirty="0"/>
           </a:p>
@@ -6237,11 +6345,7 @@
             </a:r>
             <a:r>
               <a:rPr lang="en-SG" sz="3600" dirty="0" smtClean="0"/>
-              <a:t>Recovered, Susceptible) </a:t>
-            </a:r>
-            <a:r>
-              <a:rPr lang="en-SG" sz="3600" dirty="0" smtClean="0"/>
-              <a:t>model</a:t>
+              <a:t>Recovered, Susceptible) model</a:t>
             </a:r>
           </a:p>
           <a:p>
@@ -6344,8 +6448,8 @@
           <a:lstStyle/>
           <a:p>
             <a:r>
-              <a:rPr lang="de-DE" smtClean="0"/>
-              <a:t>25/02/2016</a:t>
+              <a:rPr lang="pl-PL" smtClean="0"/>
+              <a:t>10/03/2016</a:t>
             </a:r>
             <a:endParaRPr lang="de-DE" dirty="0"/>
           </a:p>
@@ -6369,7 +6473,11 @@
             <a:pPr algn="ctr"/>
             <a:r>
               <a:rPr lang="de-DE" dirty="0" smtClean="0"/>
-              <a:t>Module 2.1</a:t>
+              <a:t>ABM </a:t>
+            </a:r>
+            <a:r>
+              <a:rPr lang="de-DE" dirty="0" err="1" smtClean="0"/>
+              <a:t>Coursework</a:t>
             </a:r>
             <a:endParaRPr lang="de-DE" dirty="0"/>
           </a:p>
@@ -9791,8 +9899,8 @@
           <a:lstStyle/>
           <a:p>
             <a:r>
-              <a:rPr lang="de-DE" smtClean="0"/>
-              <a:t>25/02/2016</a:t>
+              <a:rPr lang="pl-PL" smtClean="0"/>
+              <a:t>10/03/2016</a:t>
             </a:r>
             <a:endParaRPr lang="de-DE" dirty="0"/>
           </a:p>
@@ -9816,7 +9924,11 @@
             <a:pPr algn="ctr"/>
             <a:r>
               <a:rPr lang="de-DE" dirty="0" smtClean="0"/>
-              <a:t>Module 2.1</a:t>
+              <a:t>ABM </a:t>
+            </a:r>
+            <a:r>
+              <a:rPr lang="de-DE" dirty="0" err="1" smtClean="0"/>
+              <a:t>Coursework</a:t>
             </a:r>
             <a:endParaRPr lang="de-DE" dirty="0"/>
           </a:p>
@@ -9869,12 +9981,16 @@
           <a:lstStyle/>
           <a:p>
             <a:r>
+              <a:rPr lang="en-SG" sz="2800" dirty="0" smtClean="0"/>
+              <a:t>Contract </a:t>
+            </a:r>
+            <a:r>
               <a:rPr lang="en-SG" sz="2800" dirty="0"/>
-              <a:t>Contract the </a:t>
+              <a:t>the </a:t>
             </a:r>
             <a:r>
               <a:rPr lang="en-SG" sz="2800" dirty="0" smtClean="0"/>
-              <a:t>disease with a given probability</a:t>
+              <a:t>disease (transfer to infected state) with a given probability</a:t>
             </a:r>
             <a:endParaRPr lang="en-SG" sz="2800" i="1" dirty="0" smtClean="0">
               <a:solidFill>
@@ -9999,8 +10115,8 @@
           <a:lstStyle/>
           <a:p>
             <a:r>
-              <a:rPr lang="de-DE" smtClean="0"/>
-              <a:t>25/02/2016</a:t>
+              <a:rPr lang="pl-PL" smtClean="0"/>
+              <a:t>10/03/2016</a:t>
             </a:r>
             <a:endParaRPr lang="de-DE" dirty="0"/>
           </a:p>
@@ -10024,7 +10140,11 @@
             <a:pPr algn="ctr"/>
             <a:r>
               <a:rPr lang="de-DE" dirty="0" smtClean="0"/>
-              <a:t>Module 2.1</a:t>
+              <a:t>ABM </a:t>
+            </a:r>
+            <a:r>
+              <a:rPr lang="de-DE" dirty="0" err="1" smtClean="0"/>
+              <a:t>Coursework</a:t>
             </a:r>
             <a:endParaRPr lang="de-DE" dirty="0"/>
           </a:p>
@@ -10131,7 +10251,11 @@
           <a:p>
             <a:r>
               <a:rPr lang="en-SG" dirty="0" smtClean="0"/>
-              <a:t>Probability of state transitions is stochastic</a:t>
+              <a:t>Probability of state </a:t>
+            </a:r>
+            <a:r>
+              <a:rPr lang="en-SG" dirty="0" smtClean="0"/>
+              <a:t>transitions could be stochastic</a:t>
             </a:r>
             <a:endParaRPr lang="en-SG" dirty="0"/>
           </a:p>
@@ -10185,7 +10309,7 @@
 </file>
 
 <file path=ppt/theme/theme1.xml><?xml version="1.0" encoding="utf-8"?>
-<a:theme xmlns:a="http://schemas.openxmlformats.org/drawingml/2006/main" name="ETH PRL neu (Dec-2014)">
+<a:theme xmlns:a="http://schemas.openxmlformats.org/drawingml/2006/main" name="CREATETemplate">
   <a:themeElements>
     <a:clrScheme name="FRS">
       <a:dk1>
@@ -10482,7 +10606,7 @@
   <a:extraClrSchemeLst/>
   <a:extLst>
     <a:ext uri="{05A4C25C-085E-4340-85A3-A5531E510DB2}">
-      <thm15:themeFamily xmlns:thm15="http://schemas.microsoft.com/office/thememl/2012/main" xmlns="" name="FRS Vorlage.potx" id="{CE702807-FAE0-434A-A4D6-E8C8E87BB505}" vid="{509D41C6-7AF5-4EFD-B000-98EEE52CC6B2}"/>
+      <thm15:themeFamily xmlns="" xmlns:thm15="http://schemas.microsoft.com/office/thememl/2012/main" name="FRS Vorlage.potx" id="{CE702807-FAE0-434A-A4D6-E8C8E87BB505}" vid="{509D41C6-7AF5-4EFD-B000-98EEE52CC6B2}"/>
     </a:ext>
   </a:extLst>
 </a:theme>
